--- a/nier/figs/images.pptx
+++ b/nier/figs/images.pptx
@@ -296,7 +296,7 @@
           <a:p>
             <a:fld id="{06D27FD6-7394-0F44-B86B-46BBC2D874F2}" type="datetimeFigureOut">
               <a:rPr lang="en-US" smtClean="0"/>
-              <a:t>11/20/14</a:t>
+              <a:t>11/21/14</a:t>
             </a:fld>
             <a:endParaRPr lang="en-US"/>
           </a:p>
@@ -466,7 +466,7 @@
           <a:p>
             <a:fld id="{06D27FD6-7394-0F44-B86B-46BBC2D874F2}" type="datetimeFigureOut">
               <a:rPr lang="en-US" smtClean="0"/>
-              <a:t>11/20/14</a:t>
+              <a:t>11/21/14</a:t>
             </a:fld>
             <a:endParaRPr lang="en-US"/>
           </a:p>
@@ -646,7 +646,7 @@
           <a:p>
             <a:fld id="{06D27FD6-7394-0F44-B86B-46BBC2D874F2}" type="datetimeFigureOut">
               <a:rPr lang="en-US" smtClean="0"/>
-              <a:t>11/20/14</a:t>
+              <a:t>11/21/14</a:t>
             </a:fld>
             <a:endParaRPr lang="en-US"/>
           </a:p>
@@ -816,7 +816,7 @@
           <a:p>
             <a:fld id="{06D27FD6-7394-0F44-B86B-46BBC2D874F2}" type="datetimeFigureOut">
               <a:rPr lang="en-US" smtClean="0"/>
-              <a:t>11/20/14</a:t>
+              <a:t>11/21/14</a:t>
             </a:fld>
             <a:endParaRPr lang="en-US"/>
           </a:p>
@@ -1062,7 +1062,7 @@
           <a:p>
             <a:fld id="{06D27FD6-7394-0F44-B86B-46BBC2D874F2}" type="datetimeFigureOut">
               <a:rPr lang="en-US" smtClean="0"/>
-              <a:t>11/20/14</a:t>
+              <a:t>11/21/14</a:t>
             </a:fld>
             <a:endParaRPr lang="en-US"/>
           </a:p>
@@ -1350,7 +1350,7 @@
           <a:p>
             <a:fld id="{06D27FD6-7394-0F44-B86B-46BBC2D874F2}" type="datetimeFigureOut">
               <a:rPr lang="en-US" smtClean="0"/>
-              <a:t>11/20/14</a:t>
+              <a:t>11/21/14</a:t>
             </a:fld>
             <a:endParaRPr lang="en-US"/>
           </a:p>
@@ -1772,7 +1772,7 @@
           <a:p>
             <a:fld id="{06D27FD6-7394-0F44-B86B-46BBC2D874F2}" type="datetimeFigureOut">
               <a:rPr lang="en-US" smtClean="0"/>
-              <a:t>11/20/14</a:t>
+              <a:t>11/21/14</a:t>
             </a:fld>
             <a:endParaRPr lang="en-US"/>
           </a:p>
@@ -1890,7 +1890,7 @@
           <a:p>
             <a:fld id="{06D27FD6-7394-0F44-B86B-46BBC2D874F2}" type="datetimeFigureOut">
               <a:rPr lang="en-US" smtClean="0"/>
-              <a:t>11/20/14</a:t>
+              <a:t>11/21/14</a:t>
             </a:fld>
             <a:endParaRPr lang="en-US"/>
           </a:p>
@@ -1985,7 +1985,7 @@
           <a:p>
             <a:fld id="{06D27FD6-7394-0F44-B86B-46BBC2D874F2}" type="datetimeFigureOut">
               <a:rPr lang="en-US" smtClean="0"/>
-              <a:t>11/20/14</a:t>
+              <a:t>11/21/14</a:t>
             </a:fld>
             <a:endParaRPr lang="en-US"/>
           </a:p>
@@ -2262,7 +2262,7 @@
           <a:p>
             <a:fld id="{06D27FD6-7394-0F44-B86B-46BBC2D874F2}" type="datetimeFigureOut">
               <a:rPr lang="en-US" smtClean="0"/>
-              <a:t>11/20/14</a:t>
+              <a:t>11/21/14</a:t>
             </a:fld>
             <a:endParaRPr lang="en-US"/>
           </a:p>
@@ -2515,7 +2515,7 @@
           <a:p>
             <a:fld id="{06D27FD6-7394-0F44-B86B-46BBC2D874F2}" type="datetimeFigureOut">
               <a:rPr lang="en-US" smtClean="0"/>
-              <a:t>11/20/14</a:t>
+              <a:t>11/21/14</a:t>
             </a:fld>
             <a:endParaRPr lang="en-US"/>
           </a:p>
@@ -2728,7 +2728,7 @@
           <a:p>
             <a:fld id="{06D27FD6-7394-0F44-B86B-46BBC2D874F2}" type="datetimeFigureOut">
               <a:rPr lang="en-US" smtClean="0"/>
-              <a:t>11/20/14</a:t>
+              <a:t>11/21/14</a:t>
             </a:fld>
             <a:endParaRPr lang="en-US"/>
           </a:p>
@@ -3105,7 +3105,7 @@
       </p:grpSpPr>
       <p:grpSp>
         <p:nvGrpSpPr>
-          <p:cNvPr id="77" name="Group 76"/>
+          <p:cNvPr id="2" name="Group 1"/>
           <p:cNvGrpSpPr/>
           <p:nvPr/>
         </p:nvGrpSpPr>
@@ -3113,151 +3113,852 @@
           <a:xfrm>
             <a:off x="1196948" y="922736"/>
             <a:ext cx="6797276" cy="3914924"/>
-            <a:chOff x="966097" y="2249461"/>
-            <a:chExt cx="5244724" cy="2540201"/>
+            <a:chOff x="1196948" y="922736"/>
+            <a:chExt cx="6797276" cy="3914924"/>
           </a:xfrm>
         </p:grpSpPr>
-        <p:sp>
-          <p:nvSpPr>
-            <p:cNvPr id="47" name="Rectangle 46"/>
-            <p:cNvSpPr/>
-            <p:nvPr/>
-          </p:nvSpPr>
-          <p:spPr>
+        <p:grpSp>
+          <p:nvGrpSpPr>
+            <p:cNvPr id="77" name="Group 76"/>
+            <p:cNvGrpSpPr/>
+            <p:nvPr/>
+          </p:nvGrpSpPr>
+          <p:grpSpPr>
             <a:xfrm>
-              <a:off x="1755145" y="2950142"/>
-              <a:ext cx="409533" cy="1069691"/>
-            </a:xfrm>
-            <a:prstGeom prst="rect">
-              <a:avLst/>
-            </a:prstGeom>
-            <a:noFill/>
-            <a:ln w="25400">
+              <a:off x="1196948" y="922736"/>
+              <a:ext cx="6797276" cy="3914924"/>
+              <a:chOff x="966097" y="2249461"/>
+              <a:chExt cx="5244724" cy="2540201"/>
+            </a:xfrm>
+          </p:grpSpPr>
+          <p:sp>
+            <p:nvSpPr>
+              <p:cNvPr id="47" name="Rectangle 46"/>
+              <p:cNvSpPr/>
+              <p:nvPr/>
+            </p:nvSpPr>
+            <p:spPr>
+              <a:xfrm>
+                <a:off x="1755145" y="2795215"/>
+                <a:ext cx="409533" cy="1327063"/>
+              </a:xfrm>
+              <a:prstGeom prst="rect">
+                <a:avLst/>
+              </a:prstGeom>
+              <a:noFill/>
+              <a:ln w="25400">
+                <a:solidFill>
+                  <a:schemeClr val="tx1"/>
+                </a:solidFill>
+              </a:ln>
+              <a:effectLst/>
+            </p:spPr>
+            <p:style>
+              <a:lnRef idx="1">
+                <a:schemeClr val="accent1"/>
+              </a:lnRef>
+              <a:fillRef idx="3">
+                <a:schemeClr val="accent1"/>
+              </a:fillRef>
+              <a:effectRef idx="2">
+                <a:schemeClr val="accent1"/>
+              </a:effectRef>
+              <a:fontRef idx="minor">
+                <a:schemeClr val="lt1"/>
+              </a:fontRef>
+            </p:style>
+            <p:txBody>
+              <a:bodyPr rtlCol="0" anchor="ctr"/>
+              <a:lstStyle/>
+              <a:p>
+                <a:pPr algn="ctr"/>
+                <a:endParaRPr lang="en-US"/>
+              </a:p>
+            </p:txBody>
+          </p:sp>
+          <p:cxnSp>
+            <p:nvCxnSpPr>
+              <p:cNvPr id="48" name="Straight Arrow Connector 47"/>
+              <p:cNvCxnSpPr/>
+              <p:nvPr/>
+            </p:nvCxnSpPr>
+            <p:spPr>
+              <a:xfrm>
+                <a:off x="1415925" y="3785078"/>
+                <a:ext cx="312654" cy="0"/>
+              </a:xfrm>
+              <a:prstGeom prst="straightConnector1">
+                <a:avLst/>
+              </a:prstGeom>
+              <a:ln>
+                <a:solidFill>
+                  <a:schemeClr val="tx1"/>
+                </a:solidFill>
+                <a:headEnd type="arrow"/>
+                <a:tailEnd type="arrow"/>
+              </a:ln>
+              <a:effectLst/>
+            </p:spPr>
+            <p:style>
+              <a:lnRef idx="2">
+                <a:schemeClr val="accent1"/>
+              </a:lnRef>
+              <a:fillRef idx="0">
+                <a:schemeClr val="accent1"/>
+              </a:fillRef>
+              <a:effectRef idx="1">
+                <a:schemeClr val="accent1"/>
+              </a:effectRef>
+              <a:fontRef idx="minor">
+                <a:schemeClr val="tx1"/>
+              </a:fontRef>
+            </p:style>
+          </p:cxnSp>
+          <p:pic>
+            <p:nvPicPr>
+              <p:cNvPr id="49" name="Picture 48"/>
+              <p:cNvPicPr>
+                <a:picLocks noChangeAspect="1"/>
+              </p:cNvPicPr>
+              <p:nvPr/>
+            </p:nvPicPr>
+            <p:blipFill>
+              <a:blip r:embed="rId2"/>
+              <a:stretch>
+                <a:fillRect/>
+              </a:stretch>
+            </p:blipFill>
+            <p:spPr>
+              <a:xfrm>
+                <a:off x="966097" y="2975681"/>
+                <a:ext cx="444613" cy="488243"/>
+              </a:xfrm>
+              <a:prstGeom prst="rect">
+                <a:avLst/>
+              </a:prstGeom>
+            </p:spPr>
+          </p:pic>
+          <p:pic>
+            <p:nvPicPr>
+              <p:cNvPr id="50" name="Picture 49"/>
+              <p:cNvPicPr>
+                <a:picLocks noChangeAspect="1"/>
+              </p:cNvPicPr>
+              <p:nvPr/>
+            </p:nvPicPr>
+            <p:blipFill>
+              <a:blip r:embed="rId2"/>
+              <a:stretch>
+                <a:fillRect/>
+              </a:stretch>
+            </p:blipFill>
+            <p:spPr>
+              <a:xfrm>
+                <a:off x="971312" y="3543040"/>
+                <a:ext cx="434186" cy="476793"/>
+              </a:xfrm>
+              <a:prstGeom prst="rect">
+                <a:avLst/>
+              </a:prstGeom>
+            </p:spPr>
+          </p:pic>
+          <p:sp>
+            <p:nvSpPr>
+              <p:cNvPr id="51" name="TextBox 50"/>
+              <p:cNvSpPr txBox="1"/>
+              <p:nvPr/>
+            </p:nvSpPr>
+            <p:spPr>
+              <a:xfrm rot="16200000">
+                <a:off x="1520628" y="3326072"/>
+                <a:ext cx="730260" cy="237478"/>
+              </a:xfrm>
+              <a:prstGeom prst="rect">
+                <a:avLst/>
+              </a:prstGeom>
+              <a:noFill/>
+            </p:spPr>
+            <p:txBody>
+              <a:bodyPr wrap="square" rtlCol="0">
+                <a:spAutoFit/>
+              </a:bodyPr>
+              <a:lstStyle/>
+              <a:p>
+                <a:pPr algn="ctr"/>
+                <a:r>
+                  <a:rPr lang="en-US" sz="1400" i="1" dirty="0" smtClean="0"/>
+                  <a:t>Webserver</a:t>
+                </a:r>
+                <a:endParaRPr lang="en-US" sz="1600" i="1" dirty="0"/>
+              </a:p>
+            </p:txBody>
+          </p:sp>
+          <p:cxnSp>
+            <p:nvCxnSpPr>
+              <p:cNvPr id="52" name="Straight Arrow Connector 51"/>
+              <p:cNvCxnSpPr/>
+              <p:nvPr/>
+            </p:nvCxnSpPr>
+            <p:spPr>
+              <a:xfrm>
+                <a:off x="1400072" y="3296993"/>
+                <a:ext cx="328507" cy="0"/>
+              </a:xfrm>
+              <a:prstGeom prst="straightConnector1">
+                <a:avLst/>
+              </a:prstGeom>
+              <a:ln>
+                <a:solidFill>
+                  <a:schemeClr val="tx1"/>
+                </a:solidFill>
+                <a:headEnd type="arrow"/>
+                <a:tailEnd type="arrow"/>
+              </a:ln>
+              <a:effectLst/>
+            </p:spPr>
+            <p:style>
+              <a:lnRef idx="2">
+                <a:schemeClr val="accent1"/>
+              </a:lnRef>
+              <a:fillRef idx="0">
+                <a:schemeClr val="accent1"/>
+              </a:fillRef>
+              <a:effectRef idx="1">
+                <a:schemeClr val="accent1"/>
+              </a:effectRef>
+              <a:fontRef idx="minor">
+                <a:schemeClr val="tx1"/>
+              </a:fontRef>
+            </p:style>
+          </p:cxnSp>
+          <p:cxnSp>
+            <p:nvCxnSpPr>
+              <p:cNvPr id="53" name="Straight Arrow Connector 52"/>
+              <p:cNvCxnSpPr/>
+              <p:nvPr/>
+            </p:nvCxnSpPr>
+            <p:spPr>
+              <a:xfrm>
+                <a:off x="2166678" y="3444811"/>
+                <a:ext cx="429939" cy="0"/>
+              </a:xfrm>
+              <a:prstGeom prst="straightConnector1">
+                <a:avLst/>
+              </a:prstGeom>
+              <a:ln>
+                <a:solidFill>
+                  <a:schemeClr val="tx1"/>
+                </a:solidFill>
+                <a:headEnd type="arrow"/>
+                <a:tailEnd type="arrow"/>
+              </a:ln>
+              <a:effectLst/>
+            </p:spPr>
+            <p:style>
+              <a:lnRef idx="2">
+                <a:schemeClr val="accent1"/>
+              </a:lnRef>
+              <a:fillRef idx="0">
+                <a:schemeClr val="accent1"/>
+              </a:fillRef>
+              <a:effectRef idx="1">
+                <a:schemeClr val="accent1"/>
+              </a:effectRef>
+              <a:fontRef idx="minor">
+                <a:schemeClr val="tx1"/>
+              </a:fontRef>
+            </p:style>
+          </p:cxnSp>
+          <p:sp>
+            <p:nvSpPr>
+              <p:cNvPr id="54" name="Rectangle 53"/>
+              <p:cNvSpPr/>
+              <p:nvPr/>
+            </p:nvSpPr>
+            <p:spPr>
+              <a:xfrm>
+                <a:off x="2596617" y="3155480"/>
+                <a:ext cx="868401" cy="730646"/>
+              </a:xfrm>
+              <a:prstGeom prst="rect">
+                <a:avLst/>
+              </a:prstGeom>
+              <a:noFill/>
+              <a:ln w="25400">
+                <a:solidFill>
+                  <a:schemeClr val="tx1"/>
+                </a:solidFill>
+              </a:ln>
+              <a:effectLst/>
+            </p:spPr>
+            <p:style>
+              <a:lnRef idx="1">
+                <a:schemeClr val="accent1"/>
+              </a:lnRef>
+              <a:fillRef idx="3">
+                <a:schemeClr val="accent1"/>
+              </a:fillRef>
+              <a:effectRef idx="2">
+                <a:schemeClr val="accent1"/>
+              </a:effectRef>
+              <a:fontRef idx="minor">
+                <a:schemeClr val="lt1"/>
+              </a:fontRef>
+            </p:style>
+            <p:txBody>
+              <a:bodyPr rtlCol="0" anchor="ctr"/>
+              <a:lstStyle/>
+              <a:p>
+                <a:pPr algn="ctr"/>
+                <a:endParaRPr lang="en-US"/>
+              </a:p>
+            </p:txBody>
+          </p:sp>
+          <p:sp>
+            <p:nvSpPr>
+              <p:cNvPr id="56" name="TextBox 55"/>
+              <p:cNvSpPr txBox="1"/>
+              <p:nvPr/>
+            </p:nvSpPr>
+            <p:spPr>
+              <a:xfrm>
+                <a:off x="2596617" y="3267146"/>
+                <a:ext cx="868401" cy="379432"/>
+              </a:xfrm>
+              <a:prstGeom prst="rect">
+                <a:avLst/>
+              </a:prstGeom>
+              <a:noFill/>
+            </p:spPr>
+            <p:txBody>
+              <a:bodyPr wrap="square" rtlCol="0">
+                <a:spAutoFit/>
+              </a:bodyPr>
+              <a:lstStyle/>
+              <a:p>
+                <a:pPr algn="ctr"/>
+                <a:r>
+                  <a:rPr lang="en-US" sz="1600" dirty="0" smtClean="0"/>
+                  <a:t>Proxy</a:t>
+                </a:r>
+              </a:p>
+              <a:p>
+                <a:pPr algn="ctr"/>
+                <a:r>
+                  <a:rPr lang="en-US" sz="1600" dirty="0" smtClean="0"/>
+                  <a:t>Duplicator</a:t>
+                </a:r>
+                <a:endParaRPr lang="en-US" sz="1600" dirty="0"/>
+              </a:p>
+            </p:txBody>
+          </p:sp>
+          <p:cxnSp>
+            <p:nvCxnSpPr>
+              <p:cNvPr id="57" name="Straight Arrow Connector 56"/>
+              <p:cNvCxnSpPr>
+                <a:stCxn id="56" idx="3"/>
+                <a:endCxn id="63" idx="1"/>
+              </p:cNvCxnSpPr>
+              <p:nvPr/>
+            </p:nvCxnSpPr>
+            <p:spPr>
+              <a:xfrm flipV="1">
+                <a:off x="3465018" y="2880200"/>
+                <a:ext cx="703737" cy="576663"/>
+              </a:xfrm>
+              <a:prstGeom prst="straightConnector1">
+                <a:avLst/>
+              </a:prstGeom>
+              <a:ln>
+                <a:solidFill>
+                  <a:schemeClr val="tx1"/>
+                </a:solidFill>
+                <a:headEnd type="arrow"/>
+                <a:tailEnd type="arrow"/>
+              </a:ln>
+              <a:effectLst/>
+            </p:spPr>
+            <p:style>
+              <a:lnRef idx="2">
+                <a:schemeClr val="accent1"/>
+              </a:lnRef>
+              <a:fillRef idx="0">
+                <a:schemeClr val="accent1"/>
+              </a:fillRef>
+              <a:effectRef idx="1">
+                <a:schemeClr val="accent1"/>
+              </a:effectRef>
+              <a:fontRef idx="minor">
+                <a:schemeClr val="tx1"/>
+              </a:fontRef>
+            </p:style>
+          </p:cxnSp>
+          <p:cxnSp>
+            <p:nvCxnSpPr>
+              <p:cNvPr id="59" name="Straight Arrow Connector 58"/>
+              <p:cNvCxnSpPr>
+                <a:stCxn id="54" idx="3"/>
+                <a:endCxn id="64" idx="1"/>
+              </p:cNvCxnSpPr>
+              <p:nvPr/>
+            </p:nvCxnSpPr>
+            <p:spPr>
+              <a:xfrm>
+                <a:off x="3465018" y="3520803"/>
+                <a:ext cx="703737" cy="605823"/>
+              </a:xfrm>
+              <a:prstGeom prst="straightConnector1">
+                <a:avLst/>
+              </a:prstGeom>
+              <a:ln>
+                <a:solidFill>
+                  <a:srgbClr val="FF0000"/>
+                </a:solidFill>
+                <a:tailEnd type="arrow"/>
+              </a:ln>
+              <a:effectLst/>
+            </p:spPr>
+            <p:style>
+              <a:lnRef idx="2">
+                <a:schemeClr val="accent1"/>
+              </a:lnRef>
+              <a:fillRef idx="0">
+                <a:schemeClr val="accent1"/>
+              </a:fillRef>
+              <a:effectRef idx="1">
+                <a:schemeClr val="accent1"/>
+              </a:effectRef>
+              <a:fontRef idx="minor">
+                <a:schemeClr val="tx1"/>
+              </a:fontRef>
+            </p:style>
+          </p:cxnSp>
+          <p:sp>
+            <p:nvSpPr>
+              <p:cNvPr id="63" name="Rectangle 62"/>
+              <p:cNvSpPr/>
+              <p:nvPr/>
+            </p:nvSpPr>
+            <p:spPr>
+              <a:xfrm>
+                <a:off x="4168755" y="2345354"/>
+                <a:ext cx="961843" cy="1069691"/>
+              </a:xfrm>
+              <a:prstGeom prst="rect">
+                <a:avLst/>
+              </a:prstGeom>
+              <a:noFill/>
+              <a:ln w="25400">
+                <a:solidFill>
+                  <a:schemeClr val="tx1"/>
+                </a:solidFill>
+              </a:ln>
+              <a:effectLst/>
+            </p:spPr>
+            <p:style>
+              <a:lnRef idx="1">
+                <a:schemeClr val="accent1"/>
+              </a:lnRef>
+              <a:fillRef idx="3">
+                <a:schemeClr val="accent1"/>
+              </a:fillRef>
+              <a:effectRef idx="2">
+                <a:schemeClr val="accent1"/>
+              </a:effectRef>
+              <a:fontRef idx="minor">
+                <a:schemeClr val="lt1"/>
+              </a:fontRef>
+            </p:style>
+            <p:txBody>
+              <a:bodyPr rtlCol="0" anchor="ctr"/>
+              <a:lstStyle/>
+              <a:p>
+                <a:pPr algn="ctr"/>
+                <a:endParaRPr lang="en-US"/>
+              </a:p>
+            </p:txBody>
+          </p:sp>
+          <p:sp>
+            <p:nvSpPr>
+              <p:cNvPr id="64" name="Rectangle 63"/>
+              <p:cNvSpPr/>
+              <p:nvPr/>
+            </p:nvSpPr>
+            <p:spPr>
+              <a:xfrm>
+                <a:off x="4168755" y="3591780"/>
+                <a:ext cx="961843" cy="1069691"/>
+              </a:xfrm>
+              <a:prstGeom prst="rect">
+                <a:avLst/>
+              </a:prstGeom>
+              <a:noFill/>
+              <a:ln w="25400">
+                <a:solidFill>
+                  <a:schemeClr val="tx1"/>
+                </a:solidFill>
+              </a:ln>
+              <a:effectLst/>
+            </p:spPr>
+            <p:style>
+              <a:lnRef idx="1">
+                <a:schemeClr val="accent1"/>
+              </a:lnRef>
+              <a:fillRef idx="3">
+                <a:schemeClr val="accent1"/>
+              </a:fillRef>
+              <a:effectRef idx="2">
+                <a:schemeClr val="accent1"/>
+              </a:effectRef>
+              <a:fontRef idx="minor">
+                <a:schemeClr val="lt1"/>
+              </a:fontRef>
+            </p:style>
+            <p:txBody>
+              <a:bodyPr rtlCol="0" anchor="ctr"/>
+              <a:lstStyle/>
+              <a:p>
+                <a:pPr algn="ctr"/>
+                <a:endParaRPr lang="en-US"/>
+              </a:p>
+            </p:txBody>
+          </p:sp>
+          <p:sp>
+            <p:nvSpPr>
+              <p:cNvPr id="68" name="TextBox 67"/>
+              <p:cNvSpPr txBox="1"/>
+              <p:nvPr/>
+            </p:nvSpPr>
+            <p:spPr>
+              <a:xfrm>
+                <a:off x="4168755" y="2950142"/>
+                <a:ext cx="868401" cy="339492"/>
+              </a:xfrm>
+              <a:prstGeom prst="rect">
+                <a:avLst/>
+              </a:prstGeom>
+              <a:noFill/>
+            </p:spPr>
+            <p:txBody>
+              <a:bodyPr wrap="square" rtlCol="0">
+                <a:spAutoFit/>
+              </a:bodyPr>
+              <a:lstStyle/>
+              <a:p>
+                <a:pPr algn="ctr"/>
+                <a:r>
+                  <a:rPr lang="en-US" sz="1400" dirty="0" smtClean="0"/>
+                  <a:t>Backend</a:t>
+                </a:r>
+              </a:p>
+              <a:p>
+                <a:pPr algn="ctr"/>
+                <a:r>
+                  <a:rPr lang="en-US" sz="1400" dirty="0" smtClean="0"/>
+                  <a:t>Process</a:t>
+                </a:r>
+                <a:endParaRPr lang="en-US" sz="1400" dirty="0"/>
+              </a:p>
+            </p:txBody>
+          </p:sp>
+          <p:sp>
+            <p:nvSpPr>
+              <p:cNvPr id="69" name="TextBox 68"/>
+              <p:cNvSpPr txBox="1"/>
+              <p:nvPr/>
+            </p:nvSpPr>
+            <p:spPr>
+              <a:xfrm>
+                <a:off x="4169183" y="4122278"/>
+                <a:ext cx="868401" cy="479283"/>
+              </a:xfrm>
+              <a:prstGeom prst="rect">
+                <a:avLst/>
+              </a:prstGeom>
+              <a:noFill/>
+            </p:spPr>
+            <p:txBody>
+              <a:bodyPr wrap="square" rtlCol="0">
+                <a:spAutoFit/>
+              </a:bodyPr>
+              <a:lstStyle/>
+              <a:p>
+                <a:pPr algn="ctr"/>
+                <a:r>
+                  <a:rPr lang="en-US" sz="1400" dirty="0" smtClean="0"/>
+                  <a:t>Cloned</a:t>
+                </a:r>
+              </a:p>
+              <a:p>
+                <a:pPr algn="ctr"/>
+                <a:r>
+                  <a:rPr lang="en-US" sz="1400" dirty="0" smtClean="0"/>
+                  <a:t>Backend</a:t>
+                </a:r>
+              </a:p>
+              <a:p>
+                <a:pPr algn="ctr"/>
+                <a:r>
+                  <a:rPr lang="en-US" sz="1400" dirty="0" smtClean="0"/>
+                  <a:t>Process</a:t>
+                </a:r>
+              </a:p>
+            </p:txBody>
+          </p:sp>
+          <p:sp>
+            <p:nvSpPr>
+              <p:cNvPr id="70" name="Rectangle 69"/>
+              <p:cNvSpPr/>
+              <p:nvPr/>
+            </p:nvSpPr>
+            <p:spPr>
+              <a:xfrm>
+                <a:off x="2322974" y="2249461"/>
+                <a:ext cx="2876582" cy="2540201"/>
+              </a:xfrm>
+              <a:prstGeom prst="rect">
+                <a:avLst/>
+              </a:prstGeom>
+              <a:noFill/>
+              <a:ln w="25400">
+                <a:solidFill>
+                  <a:schemeClr val="tx1"/>
+                </a:solidFill>
+                <a:prstDash val="sysDot"/>
+              </a:ln>
+              <a:effectLst/>
+            </p:spPr>
+            <p:style>
+              <a:lnRef idx="1">
+                <a:schemeClr val="accent1"/>
+              </a:lnRef>
+              <a:fillRef idx="3">
+                <a:schemeClr val="accent1"/>
+              </a:fillRef>
+              <a:effectRef idx="2">
+                <a:schemeClr val="accent1"/>
+              </a:effectRef>
+              <a:fontRef idx="minor">
+                <a:schemeClr val="lt1"/>
+              </a:fontRef>
+            </p:style>
+            <p:txBody>
+              <a:bodyPr rtlCol="0" anchor="ctr"/>
+              <a:lstStyle/>
+              <a:p>
+                <a:pPr algn="ctr"/>
+                <a:endParaRPr lang="en-US"/>
+              </a:p>
+            </p:txBody>
+          </p:sp>
+          <p:sp>
+            <p:nvSpPr>
+              <p:cNvPr id="72" name="TextBox 71"/>
+              <p:cNvSpPr txBox="1"/>
+              <p:nvPr/>
+            </p:nvSpPr>
+            <p:spPr>
+              <a:xfrm>
+                <a:off x="4168755" y="2435753"/>
+                <a:ext cx="868401" cy="359462"/>
+              </a:xfrm>
+              <a:prstGeom prst="rect">
+                <a:avLst/>
+              </a:prstGeom>
+              <a:noFill/>
+            </p:spPr>
+            <p:txBody>
+              <a:bodyPr wrap="square" rtlCol="0">
+                <a:spAutoFit/>
+              </a:bodyPr>
+              <a:lstStyle/>
+              <a:p>
+                <a:pPr algn="ctr"/>
+                <a:r>
+                  <a:rPr lang="en-US" sz="1500" i="1" dirty="0" smtClean="0"/>
+                  <a:t>Production</a:t>
+                </a:r>
+              </a:p>
+              <a:p>
+                <a:pPr algn="ctr"/>
+                <a:r>
+                  <a:rPr lang="en-US" sz="1500" i="1" dirty="0" smtClean="0"/>
+                  <a:t>Container</a:t>
+                </a:r>
+                <a:endParaRPr lang="en-US" sz="1500" i="1" dirty="0"/>
+              </a:p>
+            </p:txBody>
+          </p:sp>
+          <p:sp>
+            <p:nvSpPr>
+              <p:cNvPr id="73" name="TextBox 72"/>
+              <p:cNvSpPr txBox="1"/>
+              <p:nvPr/>
+            </p:nvSpPr>
+            <p:spPr>
+              <a:xfrm>
+                <a:off x="4169183" y="3661967"/>
+                <a:ext cx="868401" cy="359462"/>
+              </a:xfrm>
+              <a:prstGeom prst="rect">
+                <a:avLst/>
+              </a:prstGeom>
+              <a:noFill/>
+            </p:spPr>
+            <p:txBody>
+              <a:bodyPr wrap="square" rtlCol="0">
+                <a:spAutoFit/>
+              </a:bodyPr>
+              <a:lstStyle/>
+              <a:p>
+                <a:pPr algn="ctr"/>
+                <a:r>
+                  <a:rPr lang="en-US" sz="1500" i="1" dirty="0" smtClean="0"/>
+                  <a:t>Debug</a:t>
+                </a:r>
+              </a:p>
+              <a:p>
+                <a:pPr algn="ctr"/>
+                <a:r>
+                  <a:rPr lang="en-US" sz="1500" i="1" dirty="0" smtClean="0"/>
+                  <a:t>Container</a:t>
+                </a:r>
+                <a:endParaRPr lang="en-US" sz="1500" i="1" dirty="0"/>
+              </a:p>
+            </p:txBody>
+          </p:sp>
+          <p:sp>
+            <p:nvSpPr>
+              <p:cNvPr id="74" name="Curved Left Arrow 73"/>
+              <p:cNvSpPr/>
+              <p:nvPr/>
+            </p:nvSpPr>
+            <p:spPr>
+              <a:xfrm>
+                <a:off x="5059294" y="2975681"/>
+                <a:ext cx="639593" cy="1150945"/>
+              </a:xfrm>
+              <a:prstGeom prst="curvedLeftArrow">
+                <a:avLst/>
+              </a:prstGeom>
               <a:solidFill>
                 <a:schemeClr val="tx1"/>
               </a:solidFill>
-            </a:ln>
-            <a:effectLst/>
-          </p:spPr>
-          <p:style>
-            <a:lnRef idx="1">
-              <a:schemeClr val="accent1"/>
-            </a:lnRef>
-            <a:fillRef idx="3">
-              <a:schemeClr val="accent1"/>
-            </a:fillRef>
-            <a:effectRef idx="2">
-              <a:schemeClr val="accent1"/>
-            </a:effectRef>
-            <a:fontRef idx="minor">
-              <a:schemeClr val="lt1"/>
-            </a:fontRef>
-          </p:style>
+              <a:ln>
+                <a:solidFill>
+                  <a:schemeClr val="tx1"/>
+                </a:solidFill>
+              </a:ln>
+              <a:effectLst/>
+            </p:spPr>
+            <p:style>
+              <a:lnRef idx="1">
+                <a:schemeClr val="accent1"/>
+              </a:lnRef>
+              <a:fillRef idx="3">
+                <a:schemeClr val="accent1"/>
+              </a:fillRef>
+              <a:effectRef idx="2">
+                <a:schemeClr val="accent1"/>
+              </a:effectRef>
+              <a:fontRef idx="minor">
+                <a:schemeClr val="lt1"/>
+              </a:fontRef>
+            </p:style>
+            <p:txBody>
+              <a:bodyPr rtlCol="0" anchor="ctr"/>
+              <a:lstStyle/>
+              <a:p>
+                <a:pPr algn="ctr"/>
+                <a:endParaRPr lang="en-US">
+                  <a:solidFill>
+                    <a:schemeClr val="tx1"/>
+                  </a:solidFill>
+                </a:endParaRPr>
+              </a:p>
+            </p:txBody>
+          </p:sp>
+          <p:sp>
+            <p:nvSpPr>
+              <p:cNvPr id="75" name="TextBox 74"/>
+              <p:cNvSpPr txBox="1"/>
+              <p:nvPr/>
+            </p:nvSpPr>
+            <p:spPr>
+              <a:xfrm rot="5400000">
+                <a:off x="5551016" y="3241785"/>
+                <a:ext cx="868401" cy="451208"/>
+              </a:xfrm>
+              <a:prstGeom prst="rect">
+                <a:avLst/>
+              </a:prstGeom>
+              <a:noFill/>
+            </p:spPr>
+            <p:txBody>
+              <a:bodyPr wrap="square" rtlCol="0">
+                <a:spAutoFit/>
+              </a:bodyPr>
+              <a:lstStyle/>
+              <a:p>
+                <a:pPr algn="ctr"/>
+                <a:r>
+                  <a:rPr lang="en-US" sz="1600" i="1" dirty="0" smtClean="0"/>
+                  <a:t>Clone Manager</a:t>
+                </a:r>
+                <a:endParaRPr lang="en-US" sz="1600" i="1" dirty="0"/>
+              </a:p>
+            </p:txBody>
+          </p:sp>
+        </p:grpSp>
+        <p:sp>
+          <p:nvSpPr>
+            <p:cNvPr id="78" name="TextBox 77"/>
+            <p:cNvSpPr txBox="1"/>
+            <p:nvPr/>
+          </p:nvSpPr>
+          <p:spPr>
+            <a:xfrm rot="2551847">
+              <a:off x="4088002" y="3275865"/>
+              <a:ext cx="1338368" cy="338554"/>
+            </a:xfrm>
+            <a:prstGeom prst="rect">
+              <a:avLst/>
+            </a:prstGeom>
+            <a:noFill/>
+          </p:spPr>
           <p:txBody>
-            <a:bodyPr rtlCol="0" anchor="ctr"/>
+            <a:bodyPr wrap="square" rtlCol="0">
+              <a:spAutoFit/>
+            </a:bodyPr>
             <a:lstStyle/>
             <a:p>
               <a:pPr algn="ctr"/>
-              <a:endParaRPr lang="en-US"/>
+              <a:r>
+                <a:rPr lang="en-US" sz="1600" i="1" dirty="0" smtClean="0">
+                  <a:solidFill>
+                    <a:srgbClr val="FF0000"/>
+                  </a:solidFill>
+                </a:rPr>
+                <a:t>Request</a:t>
+              </a:r>
+              <a:endParaRPr lang="en-US" sz="1600" i="1" dirty="0">
+                <a:solidFill>
+                  <a:srgbClr val="FF0000"/>
+                </a:solidFill>
+              </a:endParaRPr>
             </a:p>
           </p:txBody>
         </p:sp>
-        <p:cxnSp>
-          <p:nvCxnSpPr>
-            <p:cNvPr id="48" name="Straight Arrow Connector 47"/>
-            <p:cNvCxnSpPr/>
-            <p:nvPr/>
-          </p:nvCxnSpPr>
-          <p:spPr>
-            <a:xfrm>
-              <a:off x="1415925" y="3785078"/>
-              <a:ext cx="312654" cy="0"/>
-            </a:xfrm>
-            <a:prstGeom prst="straightConnector1">
-              <a:avLst/>
-            </a:prstGeom>
-            <a:ln>
-              <a:solidFill>
-                <a:schemeClr val="tx1"/>
-              </a:solidFill>
-              <a:headEnd type="arrow"/>
-              <a:tailEnd type="arrow"/>
-            </a:ln>
-            <a:effectLst/>
-          </p:spPr>
-          <p:style>
-            <a:lnRef idx="2">
-              <a:schemeClr val="accent1"/>
-            </a:lnRef>
-            <a:fillRef idx="0">
-              <a:schemeClr val="accent1"/>
-            </a:fillRef>
-            <a:effectRef idx="1">
-              <a:schemeClr val="accent1"/>
-            </a:effectRef>
-            <a:fontRef idx="minor">
-              <a:schemeClr val="tx1"/>
-            </a:fontRef>
-          </p:style>
-        </p:cxnSp>
-        <p:pic>
-          <p:nvPicPr>
-            <p:cNvPr id="49" name="Picture 48"/>
-            <p:cNvPicPr>
-              <a:picLocks noChangeAspect="1"/>
-            </p:cNvPicPr>
-            <p:nvPr/>
-          </p:nvPicPr>
-          <p:blipFill>
-            <a:blip r:embed="rId2"/>
-            <a:stretch>
-              <a:fillRect/>
-            </a:stretch>
-          </p:blipFill>
-          <p:spPr>
-            <a:xfrm>
-              <a:off x="966097" y="2975681"/>
-              <a:ext cx="444613" cy="488243"/>
-            </a:xfrm>
-            <a:prstGeom prst="rect">
-              <a:avLst/>
-            </a:prstGeom>
-          </p:spPr>
-        </p:pic>
-        <p:pic>
-          <p:nvPicPr>
-            <p:cNvPr id="50" name="Picture 49"/>
-            <p:cNvPicPr>
-              <a:picLocks noChangeAspect="1"/>
-            </p:cNvPicPr>
-            <p:nvPr/>
-          </p:nvPicPr>
-          <p:blipFill>
-            <a:blip r:embed="rId2"/>
-            <a:stretch>
-              <a:fillRect/>
-            </a:stretch>
-          </p:blipFill>
-          <p:spPr>
-            <a:xfrm>
-              <a:off x="971312" y="3543040"/>
-              <a:ext cx="434186" cy="476793"/>
-            </a:xfrm>
-            <a:prstGeom prst="rect">
-              <a:avLst/>
-            </a:prstGeom>
-          </p:spPr>
-        </p:pic>
         <p:sp>
           <p:nvSpPr>
-            <p:cNvPr id="51" name="TextBox 50"/>
+            <p:cNvPr id="79" name="TextBox 78"/>
             <p:cNvSpPr txBox="1"/>
             <p:nvPr/>
           </p:nvSpPr>
           <p:spPr>
-            <a:xfrm rot="16200000">
-              <a:off x="1520628" y="3314198"/>
-              <a:ext cx="730260" cy="261226"/>
+            <a:xfrm rot="18985156">
+              <a:off x="4061140" y="1710227"/>
+              <a:ext cx="1395960" cy="584776"/>
             </a:xfrm>
             <a:prstGeom prst="rect">
               <a:avLst/>
@@ -3273,709 +3974,20 @@
               <a:pPr algn="ctr"/>
               <a:r>
                 <a:rPr lang="en-US" sz="1600" i="1" dirty="0" smtClean="0"/>
-                <a:t>Webserver</a:t>
-              </a:r>
-              <a:endParaRPr lang="en-US" sz="1600" i="1" dirty="0"/>
-            </a:p>
-          </p:txBody>
-        </p:sp>
-        <p:cxnSp>
-          <p:nvCxnSpPr>
-            <p:cNvPr id="52" name="Straight Arrow Connector 51"/>
-            <p:cNvCxnSpPr/>
-            <p:nvPr/>
-          </p:nvCxnSpPr>
-          <p:spPr>
-            <a:xfrm>
-              <a:off x="1400072" y="3296993"/>
-              <a:ext cx="328507" cy="0"/>
-            </a:xfrm>
-            <a:prstGeom prst="straightConnector1">
-              <a:avLst/>
-            </a:prstGeom>
-            <a:ln>
-              <a:solidFill>
-                <a:schemeClr val="tx1"/>
-              </a:solidFill>
-              <a:headEnd type="arrow"/>
-              <a:tailEnd type="arrow"/>
-            </a:ln>
-            <a:effectLst/>
-          </p:spPr>
-          <p:style>
-            <a:lnRef idx="2">
-              <a:schemeClr val="accent1"/>
-            </a:lnRef>
-            <a:fillRef idx="0">
-              <a:schemeClr val="accent1"/>
-            </a:fillRef>
-            <a:effectRef idx="1">
-              <a:schemeClr val="accent1"/>
-            </a:effectRef>
-            <a:fontRef idx="minor">
-              <a:schemeClr val="tx1"/>
-            </a:fontRef>
-          </p:style>
-        </p:cxnSp>
-        <p:cxnSp>
-          <p:nvCxnSpPr>
-            <p:cNvPr id="53" name="Straight Arrow Connector 52"/>
-            <p:cNvCxnSpPr/>
-            <p:nvPr/>
-          </p:nvCxnSpPr>
-          <p:spPr>
-            <a:xfrm>
-              <a:off x="2166678" y="3444811"/>
-              <a:ext cx="429939" cy="0"/>
-            </a:xfrm>
-            <a:prstGeom prst="straightConnector1">
-              <a:avLst/>
-            </a:prstGeom>
-            <a:ln>
-              <a:solidFill>
-                <a:schemeClr val="tx1"/>
-              </a:solidFill>
-              <a:headEnd type="arrow"/>
-              <a:tailEnd type="arrow"/>
-            </a:ln>
-            <a:effectLst/>
-          </p:spPr>
-          <p:style>
-            <a:lnRef idx="2">
-              <a:schemeClr val="accent1"/>
-            </a:lnRef>
-            <a:fillRef idx="0">
-              <a:schemeClr val="accent1"/>
-            </a:fillRef>
-            <a:effectRef idx="1">
-              <a:schemeClr val="accent1"/>
-            </a:effectRef>
-            <a:fontRef idx="minor">
-              <a:schemeClr val="tx1"/>
-            </a:fontRef>
-          </p:style>
-        </p:cxnSp>
-        <p:sp>
-          <p:nvSpPr>
-            <p:cNvPr id="54" name="Rectangle 53"/>
-            <p:cNvSpPr/>
-            <p:nvPr/>
-          </p:nvSpPr>
-          <p:spPr>
-            <a:xfrm>
-              <a:off x="2596617" y="3155480"/>
-              <a:ext cx="868401" cy="730646"/>
-            </a:xfrm>
-            <a:prstGeom prst="rect">
-              <a:avLst/>
-            </a:prstGeom>
-            <a:noFill/>
-            <a:ln w="25400">
-              <a:solidFill>
-                <a:schemeClr val="tx1"/>
-              </a:solidFill>
-            </a:ln>
-            <a:effectLst/>
-          </p:spPr>
-          <p:style>
-            <a:lnRef idx="1">
-              <a:schemeClr val="accent1"/>
-            </a:lnRef>
-            <a:fillRef idx="3">
-              <a:schemeClr val="accent1"/>
-            </a:fillRef>
-            <a:effectRef idx="2">
-              <a:schemeClr val="accent1"/>
-            </a:effectRef>
-            <a:fontRef idx="minor">
-              <a:schemeClr val="lt1"/>
-            </a:fontRef>
-          </p:style>
-          <p:txBody>
-            <a:bodyPr rtlCol="0" anchor="ctr"/>
-            <a:lstStyle/>
-            <a:p>
-              <a:pPr algn="ctr"/>
-              <a:endParaRPr lang="en-US"/>
-            </a:p>
-          </p:txBody>
-        </p:sp>
-        <p:sp>
-          <p:nvSpPr>
-            <p:cNvPr id="56" name="TextBox 55"/>
-            <p:cNvSpPr txBox="1"/>
-            <p:nvPr/>
-          </p:nvSpPr>
-          <p:spPr>
-            <a:xfrm>
-              <a:off x="2596617" y="3267146"/>
-              <a:ext cx="868401" cy="379432"/>
-            </a:xfrm>
-            <a:prstGeom prst="rect">
-              <a:avLst/>
-            </a:prstGeom>
-            <a:noFill/>
-          </p:spPr>
-          <p:txBody>
-            <a:bodyPr wrap="square" rtlCol="0">
-              <a:spAutoFit/>
-            </a:bodyPr>
-            <a:lstStyle/>
-            <a:p>
-              <a:pPr algn="ctr"/>
-              <a:r>
-                <a:rPr lang="en-US" sz="1600" dirty="0" smtClean="0"/>
-                <a:t>Proxy</a:t>
+                <a:t>Request + </a:t>
               </a:r>
             </a:p>
             <a:p>
               <a:pPr algn="ctr"/>
               <a:r>
-                <a:rPr lang="en-US" sz="1600" dirty="0" smtClean="0"/>
-                <a:t>Duplicator</a:t>
-              </a:r>
-              <a:endParaRPr lang="en-US" sz="1600" dirty="0"/>
-            </a:p>
-          </p:txBody>
-        </p:sp>
-        <p:cxnSp>
-          <p:nvCxnSpPr>
-            <p:cNvPr id="57" name="Straight Arrow Connector 56"/>
-            <p:cNvCxnSpPr>
-              <a:stCxn id="56" idx="3"/>
-              <a:endCxn id="63" idx="1"/>
-            </p:cNvCxnSpPr>
-            <p:nvPr/>
-          </p:nvCxnSpPr>
-          <p:spPr>
-            <a:xfrm flipV="1">
-              <a:off x="3465018" y="2880200"/>
-              <a:ext cx="703737" cy="576663"/>
-            </a:xfrm>
-            <a:prstGeom prst="straightConnector1">
-              <a:avLst/>
-            </a:prstGeom>
-            <a:ln>
-              <a:solidFill>
-                <a:schemeClr val="tx1"/>
-              </a:solidFill>
-              <a:headEnd type="arrow"/>
-              <a:tailEnd type="arrow"/>
-            </a:ln>
-            <a:effectLst/>
-          </p:spPr>
-          <p:style>
-            <a:lnRef idx="2">
-              <a:schemeClr val="accent1"/>
-            </a:lnRef>
-            <a:fillRef idx="0">
-              <a:schemeClr val="accent1"/>
-            </a:fillRef>
-            <a:effectRef idx="1">
-              <a:schemeClr val="accent1"/>
-            </a:effectRef>
-            <a:fontRef idx="minor">
-              <a:schemeClr val="tx1"/>
-            </a:fontRef>
-          </p:style>
-        </p:cxnSp>
-        <p:cxnSp>
-          <p:nvCxnSpPr>
-            <p:cNvPr id="59" name="Straight Arrow Connector 58"/>
-            <p:cNvCxnSpPr>
-              <a:stCxn id="54" idx="3"/>
-              <a:endCxn id="64" idx="1"/>
-            </p:cNvCxnSpPr>
-            <p:nvPr/>
-          </p:nvCxnSpPr>
-          <p:spPr>
-            <a:xfrm>
-              <a:off x="3465018" y="3520803"/>
-              <a:ext cx="703737" cy="605823"/>
-            </a:xfrm>
-            <a:prstGeom prst="straightConnector1">
-              <a:avLst/>
-            </a:prstGeom>
-            <a:ln>
-              <a:solidFill>
-                <a:srgbClr val="FF0000"/>
-              </a:solidFill>
-              <a:tailEnd type="arrow"/>
-            </a:ln>
-            <a:effectLst/>
-          </p:spPr>
-          <p:style>
-            <a:lnRef idx="2">
-              <a:schemeClr val="accent1"/>
-            </a:lnRef>
-            <a:fillRef idx="0">
-              <a:schemeClr val="accent1"/>
-            </a:fillRef>
-            <a:effectRef idx="1">
-              <a:schemeClr val="accent1"/>
-            </a:effectRef>
-            <a:fontRef idx="minor">
-              <a:schemeClr val="tx1"/>
-            </a:fontRef>
-          </p:style>
-        </p:cxnSp>
-        <p:sp>
-          <p:nvSpPr>
-            <p:cNvPr id="63" name="Rectangle 62"/>
-            <p:cNvSpPr/>
-            <p:nvPr/>
-          </p:nvSpPr>
-          <p:spPr>
-            <a:xfrm>
-              <a:off x="4168755" y="2345354"/>
-              <a:ext cx="961843" cy="1069691"/>
-            </a:xfrm>
-            <a:prstGeom prst="rect">
-              <a:avLst/>
-            </a:prstGeom>
-            <a:noFill/>
-            <a:ln w="25400">
-              <a:solidFill>
-                <a:schemeClr val="tx1"/>
-              </a:solidFill>
-            </a:ln>
-            <a:effectLst/>
-          </p:spPr>
-          <p:style>
-            <a:lnRef idx="1">
-              <a:schemeClr val="accent1"/>
-            </a:lnRef>
-            <a:fillRef idx="3">
-              <a:schemeClr val="accent1"/>
-            </a:fillRef>
-            <a:effectRef idx="2">
-              <a:schemeClr val="accent1"/>
-            </a:effectRef>
-            <a:fontRef idx="minor">
-              <a:schemeClr val="lt1"/>
-            </a:fontRef>
-          </p:style>
-          <p:txBody>
-            <a:bodyPr rtlCol="0" anchor="ctr"/>
-            <a:lstStyle/>
-            <a:p>
-              <a:pPr algn="ctr"/>
-              <a:endParaRPr lang="en-US"/>
-            </a:p>
-          </p:txBody>
-        </p:sp>
-        <p:sp>
-          <p:nvSpPr>
-            <p:cNvPr id="64" name="Rectangle 63"/>
-            <p:cNvSpPr/>
-            <p:nvPr/>
-          </p:nvSpPr>
-          <p:spPr>
-            <a:xfrm>
-              <a:off x="4168755" y="3591780"/>
-              <a:ext cx="961843" cy="1069691"/>
-            </a:xfrm>
-            <a:prstGeom prst="rect">
-              <a:avLst/>
-            </a:prstGeom>
-            <a:noFill/>
-            <a:ln w="25400">
-              <a:solidFill>
-                <a:schemeClr val="tx1"/>
-              </a:solidFill>
-            </a:ln>
-            <a:effectLst/>
-          </p:spPr>
-          <p:style>
-            <a:lnRef idx="1">
-              <a:schemeClr val="accent1"/>
-            </a:lnRef>
-            <a:fillRef idx="3">
-              <a:schemeClr val="accent1"/>
-            </a:fillRef>
-            <a:effectRef idx="2">
-              <a:schemeClr val="accent1"/>
-            </a:effectRef>
-            <a:fontRef idx="minor">
-              <a:schemeClr val="lt1"/>
-            </a:fontRef>
-          </p:style>
-          <p:txBody>
-            <a:bodyPr rtlCol="0" anchor="ctr"/>
-            <a:lstStyle/>
-            <a:p>
-              <a:pPr algn="ctr"/>
-              <a:endParaRPr lang="en-US"/>
-            </a:p>
-          </p:txBody>
-        </p:sp>
-        <p:sp>
-          <p:nvSpPr>
-            <p:cNvPr id="68" name="TextBox 67"/>
-            <p:cNvSpPr txBox="1"/>
-            <p:nvPr/>
-          </p:nvSpPr>
-          <p:spPr>
-            <a:xfrm>
-              <a:off x="4168755" y="2950142"/>
-              <a:ext cx="868401" cy="339492"/>
-            </a:xfrm>
-            <a:prstGeom prst="rect">
-              <a:avLst/>
-            </a:prstGeom>
-            <a:noFill/>
-          </p:spPr>
-          <p:txBody>
-            <a:bodyPr wrap="square" rtlCol="0">
-              <a:spAutoFit/>
-            </a:bodyPr>
-            <a:lstStyle/>
-            <a:p>
-              <a:pPr algn="ctr"/>
-              <a:r>
-                <a:rPr lang="en-US" sz="1400" dirty="0" smtClean="0"/>
-                <a:t>Backend</a:t>
-              </a:r>
-            </a:p>
-            <a:p>
-              <a:pPr algn="ctr"/>
-              <a:r>
-                <a:rPr lang="en-US" sz="1400" dirty="0" smtClean="0"/>
-                <a:t>Process</a:t>
-              </a:r>
-              <a:endParaRPr lang="en-US" sz="1400" dirty="0"/>
-            </a:p>
-          </p:txBody>
-        </p:sp>
-        <p:sp>
-          <p:nvSpPr>
-            <p:cNvPr id="69" name="TextBox 68"/>
-            <p:cNvSpPr txBox="1"/>
-            <p:nvPr/>
-          </p:nvSpPr>
-          <p:spPr>
-            <a:xfrm>
-              <a:off x="4169183" y="4122278"/>
-              <a:ext cx="868401" cy="479283"/>
-            </a:xfrm>
-            <a:prstGeom prst="rect">
-              <a:avLst/>
-            </a:prstGeom>
-            <a:noFill/>
-          </p:spPr>
-          <p:txBody>
-            <a:bodyPr wrap="square" rtlCol="0">
-              <a:spAutoFit/>
-            </a:bodyPr>
-            <a:lstStyle/>
-            <a:p>
-              <a:pPr algn="ctr"/>
-              <a:r>
-                <a:rPr lang="en-US" sz="1400" dirty="0" smtClean="0"/>
-                <a:t>Cloned</a:t>
-              </a:r>
-            </a:p>
-            <a:p>
-              <a:pPr algn="ctr"/>
-              <a:r>
-                <a:rPr lang="en-US" sz="1400" dirty="0" smtClean="0"/>
-                <a:t>Backend</a:t>
-              </a:r>
-              <a:endParaRPr lang="en-US" sz="1400" dirty="0" smtClean="0"/>
-            </a:p>
-            <a:p>
-              <a:pPr algn="ctr"/>
-              <a:r>
-                <a:rPr lang="en-US" sz="1400" dirty="0" smtClean="0"/>
-                <a:t>Process</a:t>
-              </a:r>
-              <a:endParaRPr lang="en-US" sz="1400" dirty="0" smtClean="0"/>
-            </a:p>
-          </p:txBody>
-        </p:sp>
-        <p:sp>
-          <p:nvSpPr>
-            <p:cNvPr id="70" name="Rectangle 69"/>
-            <p:cNvSpPr/>
-            <p:nvPr/>
-          </p:nvSpPr>
-          <p:spPr>
-            <a:xfrm>
-              <a:off x="2322974" y="2249461"/>
-              <a:ext cx="2876582" cy="2540201"/>
-            </a:xfrm>
-            <a:prstGeom prst="rect">
-              <a:avLst/>
-            </a:prstGeom>
-            <a:noFill/>
-            <a:ln w="25400">
-              <a:solidFill>
-                <a:schemeClr val="tx1"/>
-              </a:solidFill>
-              <a:prstDash val="sysDot"/>
-            </a:ln>
-            <a:effectLst/>
-          </p:spPr>
-          <p:style>
-            <a:lnRef idx="1">
-              <a:schemeClr val="accent1"/>
-            </a:lnRef>
-            <a:fillRef idx="3">
-              <a:schemeClr val="accent1"/>
-            </a:fillRef>
-            <a:effectRef idx="2">
-              <a:schemeClr val="accent1"/>
-            </a:effectRef>
-            <a:fontRef idx="minor">
-              <a:schemeClr val="lt1"/>
-            </a:fontRef>
-          </p:style>
-          <p:txBody>
-            <a:bodyPr rtlCol="0" anchor="ctr"/>
-            <a:lstStyle/>
-            <a:p>
-              <a:pPr algn="ctr"/>
-              <a:endParaRPr lang="en-US"/>
-            </a:p>
-          </p:txBody>
-        </p:sp>
-        <p:sp>
-          <p:nvSpPr>
-            <p:cNvPr id="72" name="TextBox 71"/>
-            <p:cNvSpPr txBox="1"/>
-            <p:nvPr/>
-          </p:nvSpPr>
-          <p:spPr>
-            <a:xfrm>
-              <a:off x="4168755" y="2435753"/>
-              <a:ext cx="868401" cy="359462"/>
-            </a:xfrm>
-            <a:prstGeom prst="rect">
-              <a:avLst/>
-            </a:prstGeom>
-            <a:noFill/>
-          </p:spPr>
-          <p:txBody>
-            <a:bodyPr wrap="square" rtlCol="0">
-              <a:spAutoFit/>
-            </a:bodyPr>
-            <a:lstStyle/>
-            <a:p>
-              <a:pPr algn="ctr"/>
-              <a:r>
-                <a:rPr lang="en-US" sz="1500" i="1" dirty="0" smtClean="0"/>
-                <a:t>Production</a:t>
-              </a:r>
-            </a:p>
-            <a:p>
-              <a:pPr algn="ctr"/>
-              <a:r>
-                <a:rPr lang="en-US" sz="1500" i="1" dirty="0" smtClean="0"/>
-                <a:t>Container</a:t>
-              </a:r>
-              <a:endParaRPr lang="en-US" sz="1500" i="1" dirty="0"/>
-            </a:p>
-          </p:txBody>
-        </p:sp>
-        <p:sp>
-          <p:nvSpPr>
-            <p:cNvPr id="73" name="TextBox 72"/>
-            <p:cNvSpPr txBox="1"/>
-            <p:nvPr/>
-          </p:nvSpPr>
-          <p:spPr>
-            <a:xfrm>
-              <a:off x="4169183" y="3661967"/>
-              <a:ext cx="868401" cy="359462"/>
-            </a:xfrm>
-            <a:prstGeom prst="rect">
-              <a:avLst/>
-            </a:prstGeom>
-            <a:noFill/>
-          </p:spPr>
-          <p:txBody>
-            <a:bodyPr wrap="square" rtlCol="0">
-              <a:spAutoFit/>
-            </a:bodyPr>
-            <a:lstStyle/>
-            <a:p>
-              <a:pPr algn="ctr"/>
-              <a:r>
-                <a:rPr lang="en-US" sz="1500" i="1" dirty="0" smtClean="0"/>
-                <a:t>Debug</a:t>
-              </a:r>
-              <a:endParaRPr lang="en-US" sz="1500" i="1" dirty="0" smtClean="0"/>
-            </a:p>
-            <a:p>
-              <a:pPr algn="ctr"/>
-              <a:r>
-                <a:rPr lang="en-US" sz="1500" i="1" dirty="0" smtClean="0"/>
-                <a:t>Container</a:t>
-              </a:r>
-              <a:endParaRPr lang="en-US" sz="1500" i="1" dirty="0"/>
-            </a:p>
-          </p:txBody>
-        </p:sp>
-        <p:sp>
-          <p:nvSpPr>
-            <p:cNvPr id="74" name="Curved Left Arrow 73"/>
-            <p:cNvSpPr/>
-            <p:nvPr/>
-          </p:nvSpPr>
-          <p:spPr>
-            <a:xfrm>
-              <a:off x="5059294" y="2975681"/>
-              <a:ext cx="639593" cy="1150945"/>
-            </a:xfrm>
-            <a:prstGeom prst="curvedLeftArrow">
-              <a:avLst/>
-            </a:prstGeom>
-            <a:solidFill>
-              <a:schemeClr val="tx1"/>
-            </a:solidFill>
-            <a:ln>
-              <a:solidFill>
-                <a:schemeClr val="tx1"/>
-              </a:solidFill>
-            </a:ln>
-            <a:effectLst/>
-          </p:spPr>
-          <p:style>
-            <a:lnRef idx="1">
-              <a:schemeClr val="accent1"/>
-            </a:lnRef>
-            <a:fillRef idx="3">
-              <a:schemeClr val="accent1"/>
-            </a:fillRef>
-            <a:effectRef idx="2">
-              <a:schemeClr val="accent1"/>
-            </a:effectRef>
-            <a:fontRef idx="minor">
-              <a:schemeClr val="lt1"/>
-            </a:fontRef>
-          </p:style>
-          <p:txBody>
-            <a:bodyPr rtlCol="0" anchor="ctr"/>
-            <a:lstStyle/>
-            <a:p>
-              <a:pPr algn="ctr"/>
-              <a:endParaRPr lang="en-US">
-                <a:solidFill>
-                  <a:schemeClr val="tx1"/>
-                </a:solidFill>
-              </a:endParaRPr>
-            </a:p>
-          </p:txBody>
-        </p:sp>
-        <p:sp>
-          <p:nvSpPr>
-            <p:cNvPr id="75" name="TextBox 74"/>
-            <p:cNvSpPr txBox="1"/>
-            <p:nvPr/>
-          </p:nvSpPr>
-          <p:spPr>
-            <a:xfrm rot="5400000">
-              <a:off x="5551016" y="3241785"/>
-              <a:ext cx="868401" cy="451208"/>
-            </a:xfrm>
-            <a:prstGeom prst="rect">
-              <a:avLst/>
-            </a:prstGeom>
-            <a:noFill/>
-          </p:spPr>
-          <p:txBody>
-            <a:bodyPr wrap="square" rtlCol="0">
-              <a:spAutoFit/>
-            </a:bodyPr>
-            <a:lstStyle/>
-            <a:p>
-              <a:pPr algn="ctr"/>
-              <a:r>
                 <a:rPr lang="en-US" sz="1600" i="1" dirty="0" smtClean="0"/>
-                <a:t>Clone Manager</a:t>
+                <a:t>Response</a:t>
               </a:r>
               <a:endParaRPr lang="en-US" sz="1600" i="1" dirty="0"/>
             </a:p>
           </p:txBody>
         </p:sp>
       </p:grpSp>
-      <p:sp>
-        <p:nvSpPr>
-          <p:cNvPr id="78" name="TextBox 77"/>
-          <p:cNvSpPr txBox="1"/>
-          <p:nvPr/>
-        </p:nvSpPr>
-        <p:spPr>
-          <a:xfrm rot="2551847">
-            <a:off x="4088002" y="3275865"/>
-            <a:ext cx="1338368" cy="338554"/>
-          </a:xfrm>
-          <a:prstGeom prst="rect">
-            <a:avLst/>
-          </a:prstGeom>
-          <a:noFill/>
-        </p:spPr>
-        <p:txBody>
-          <a:bodyPr wrap="square" rtlCol="0">
-            <a:spAutoFit/>
-          </a:bodyPr>
-          <a:lstStyle/>
-          <a:p>
-            <a:pPr algn="ctr"/>
-            <a:r>
-              <a:rPr lang="en-US" sz="1600" i="1" dirty="0" smtClean="0">
-                <a:solidFill>
-                  <a:srgbClr val="FF0000"/>
-                </a:solidFill>
-              </a:rPr>
-              <a:t>Request</a:t>
-            </a:r>
-            <a:endParaRPr lang="en-US" sz="1600" i="1" dirty="0">
-              <a:solidFill>
-                <a:srgbClr val="FF0000"/>
-              </a:solidFill>
-            </a:endParaRPr>
-          </a:p>
-        </p:txBody>
-      </p:sp>
-      <p:sp>
-        <p:nvSpPr>
-          <p:cNvPr id="79" name="TextBox 78"/>
-          <p:cNvSpPr txBox="1"/>
-          <p:nvPr/>
-        </p:nvSpPr>
-        <p:spPr>
-          <a:xfrm rot="18985156">
-            <a:off x="4061140" y="1710227"/>
-            <a:ext cx="1395960" cy="584776"/>
-          </a:xfrm>
-          <a:prstGeom prst="rect">
-            <a:avLst/>
-          </a:prstGeom>
-          <a:noFill/>
-        </p:spPr>
-        <p:txBody>
-          <a:bodyPr wrap="square" rtlCol="0">
-            <a:spAutoFit/>
-          </a:bodyPr>
-          <a:lstStyle/>
-          <a:p>
-            <a:pPr algn="ctr"/>
-            <a:r>
-              <a:rPr lang="en-US" sz="1600" i="1" dirty="0" smtClean="0"/>
-              <a:t>Request + </a:t>
-            </a:r>
-          </a:p>
-          <a:p>
-            <a:pPr algn="ctr"/>
-            <a:r>
-              <a:rPr lang="en-US" sz="1600" i="1" dirty="0" smtClean="0"/>
-              <a:t>Response</a:t>
-            </a:r>
-            <a:endParaRPr lang="en-US" sz="1600" i="1" dirty="0"/>
-          </a:p>
-        </p:txBody>
-      </p:sp>
     </p:spTree>
     <p:extLst>
       <p:ext uri="{BB962C8B-B14F-4D97-AF65-F5344CB8AC3E}">
